--- a/osi-and-tcp.pptx
+++ b/osi-and-tcp.pptx
@@ -104,6 +104,11 @@
       </a:defRPr>
     </a:lvl9pPr>
   </p:defaultTextStyle>
+  <p:extLst>
+    <p:ext uri="{EFAFB233-063F-42B5-8137-9DF3F51BA10A}">
+      <p15:sldGuideLst xmlns:p15="http://schemas.microsoft.com/office/powerpoint/2012/main"/>
+    </p:ext>
+  </p:extLst>
 </p:presentation>
 </file>
 
@@ -254,7 +259,7 @@
           <a:p>
             <a:fld id="{EF97C7B8-C1DB-40C6-A900-53C6155389E9}" type="datetimeFigureOut">
               <a:rPr lang="ko-KR" altLang="en-US" smtClean="0"/>
-              <a:t>2020-07-12</a:t>
+              <a:t>2020-07-13</a:t>
             </a:fld>
             <a:endParaRPr lang="ko-KR" altLang="en-US"/>
           </a:p>
@@ -452,7 +457,7 @@
           <a:p>
             <a:fld id="{EF97C7B8-C1DB-40C6-A900-53C6155389E9}" type="datetimeFigureOut">
               <a:rPr lang="ko-KR" altLang="en-US" smtClean="0"/>
-              <a:t>2020-07-12</a:t>
+              <a:t>2020-07-13</a:t>
             </a:fld>
             <a:endParaRPr lang="ko-KR" altLang="en-US"/>
           </a:p>
@@ -660,7 +665,7 @@
           <a:p>
             <a:fld id="{EF97C7B8-C1DB-40C6-A900-53C6155389E9}" type="datetimeFigureOut">
               <a:rPr lang="ko-KR" altLang="en-US" smtClean="0"/>
-              <a:t>2020-07-12</a:t>
+              <a:t>2020-07-13</a:t>
             </a:fld>
             <a:endParaRPr lang="ko-KR" altLang="en-US"/>
           </a:p>
@@ -858,7 +863,7 @@
           <a:p>
             <a:fld id="{EF97C7B8-C1DB-40C6-A900-53C6155389E9}" type="datetimeFigureOut">
               <a:rPr lang="ko-KR" altLang="en-US" smtClean="0"/>
-              <a:t>2020-07-12</a:t>
+              <a:t>2020-07-13</a:t>
             </a:fld>
             <a:endParaRPr lang="ko-KR" altLang="en-US"/>
           </a:p>
@@ -1133,7 +1138,7 @@
           <a:p>
             <a:fld id="{EF97C7B8-C1DB-40C6-A900-53C6155389E9}" type="datetimeFigureOut">
               <a:rPr lang="ko-KR" altLang="en-US" smtClean="0"/>
-              <a:t>2020-07-12</a:t>
+              <a:t>2020-07-13</a:t>
             </a:fld>
             <a:endParaRPr lang="ko-KR" altLang="en-US"/>
           </a:p>
@@ -1398,7 +1403,7 @@
           <a:p>
             <a:fld id="{EF97C7B8-C1DB-40C6-A900-53C6155389E9}" type="datetimeFigureOut">
               <a:rPr lang="ko-KR" altLang="en-US" smtClean="0"/>
-              <a:t>2020-07-12</a:t>
+              <a:t>2020-07-13</a:t>
             </a:fld>
             <a:endParaRPr lang="ko-KR" altLang="en-US"/>
           </a:p>
@@ -1810,7 +1815,7 @@
           <a:p>
             <a:fld id="{EF97C7B8-C1DB-40C6-A900-53C6155389E9}" type="datetimeFigureOut">
               <a:rPr lang="ko-KR" altLang="en-US" smtClean="0"/>
-              <a:t>2020-07-12</a:t>
+              <a:t>2020-07-13</a:t>
             </a:fld>
             <a:endParaRPr lang="ko-KR" altLang="en-US"/>
           </a:p>
@@ -1951,7 +1956,7 @@
           <a:p>
             <a:fld id="{EF97C7B8-C1DB-40C6-A900-53C6155389E9}" type="datetimeFigureOut">
               <a:rPr lang="ko-KR" altLang="en-US" smtClean="0"/>
-              <a:t>2020-07-12</a:t>
+              <a:t>2020-07-13</a:t>
             </a:fld>
             <a:endParaRPr lang="ko-KR" altLang="en-US"/>
           </a:p>
@@ -2064,7 +2069,7 @@
           <a:p>
             <a:fld id="{EF97C7B8-C1DB-40C6-A900-53C6155389E9}" type="datetimeFigureOut">
               <a:rPr lang="ko-KR" altLang="en-US" smtClean="0"/>
-              <a:t>2020-07-12</a:t>
+              <a:t>2020-07-13</a:t>
             </a:fld>
             <a:endParaRPr lang="ko-KR" altLang="en-US"/>
           </a:p>
@@ -2375,7 +2380,7 @@
           <a:p>
             <a:fld id="{EF97C7B8-C1DB-40C6-A900-53C6155389E9}" type="datetimeFigureOut">
               <a:rPr lang="ko-KR" altLang="en-US" smtClean="0"/>
-              <a:t>2020-07-12</a:t>
+              <a:t>2020-07-13</a:t>
             </a:fld>
             <a:endParaRPr lang="ko-KR" altLang="en-US"/>
           </a:p>
@@ -2663,7 +2668,7 @@
           <a:p>
             <a:fld id="{EF97C7B8-C1DB-40C6-A900-53C6155389E9}" type="datetimeFigureOut">
               <a:rPr lang="ko-KR" altLang="en-US" smtClean="0"/>
-              <a:t>2020-07-12</a:t>
+              <a:t>2020-07-13</a:t>
             </a:fld>
             <a:endParaRPr lang="ko-KR" altLang="en-US"/>
           </a:p>
@@ -2904,7 +2909,7 @@
           <a:p>
             <a:fld id="{EF97C7B8-C1DB-40C6-A900-53C6155389E9}" type="datetimeFigureOut">
               <a:rPr lang="ko-KR" altLang="en-US" smtClean="0"/>
-              <a:t>2020-07-12</a:t>
+              <a:t>2020-07-13</a:t>
             </a:fld>
             <a:endParaRPr lang="ko-KR" altLang="en-US"/>
           </a:p>
@@ -3336,7 +3341,7 @@
           <p:nvPr>
             <p:extLst>
               <p:ext uri="{D42A27DB-BD31-4B8C-83A1-F6EECF244321}">
-                <p14:modId xmlns:p14="http://schemas.microsoft.com/office/powerpoint/2010/main" val="2240533491"/>
+                <p14:modId xmlns:p14="http://schemas.microsoft.com/office/powerpoint/2010/main" val="307970046"/>
               </p:ext>
             </p:extLst>
           </p:nvPr>
@@ -3511,6 +3516,10 @@
                     <a:lstStyle/>
                     <a:p>
                       <a:pPr algn="ctr" latinLnBrk="1"/>
+                      <a:r>
+                        <a:rPr lang="en-US" altLang="ko-KR" sz="2800" dirty="0"/>
+                        <a:t>7</a:t>
+                      </a:r>
                       <a:endParaRPr lang="ko-KR" altLang="en-US" sz="2800" dirty="0"/>
                     </a:p>
                   </a:txBody>
@@ -3605,6 +3614,10 @@
                     <a:lstStyle/>
                     <a:p>
                       <a:pPr algn="ctr" latinLnBrk="1"/>
+                      <a:r>
+                        <a:rPr lang="en-US" altLang="ko-KR" sz="2800" dirty="0"/>
+                        <a:t>6</a:t>
+                      </a:r>
                       <a:endParaRPr lang="ko-KR" altLang="en-US" sz="2800" dirty="0"/>
                     </a:p>
                   </a:txBody>
@@ -3683,6 +3696,10 @@
                     <a:lstStyle/>
                     <a:p>
                       <a:pPr algn="ctr" latinLnBrk="1"/>
+                      <a:r>
+                        <a:rPr lang="en-US" altLang="ko-KR" sz="2800" dirty="0"/>
+                        <a:t>5</a:t>
+                      </a:r>
                       <a:endParaRPr lang="ko-KR" altLang="en-US" sz="2800" dirty="0"/>
                     </a:p>
                   </a:txBody>
@@ -3761,6 +3778,10 @@
                     <a:lstStyle/>
                     <a:p>
                       <a:pPr algn="ctr" latinLnBrk="1"/>
+                      <a:r>
+                        <a:rPr lang="en-US" altLang="ko-KR" sz="2800" dirty="0"/>
+                        <a:t>4</a:t>
+                      </a:r>
                       <a:endParaRPr lang="ko-KR" altLang="en-US" sz="2800" dirty="0"/>
                     </a:p>
                   </a:txBody>
@@ -3855,6 +3876,10 @@
                     <a:lstStyle/>
                     <a:p>
                       <a:pPr algn="ctr" latinLnBrk="1"/>
+                      <a:r>
+                        <a:rPr lang="en-US" altLang="ko-KR" sz="2800" dirty="0"/>
+                        <a:t>3</a:t>
+                      </a:r>
                       <a:endParaRPr lang="ko-KR" altLang="en-US" sz="2800" dirty="0"/>
                     </a:p>
                   </a:txBody>
@@ -3949,6 +3974,10 @@
                     <a:lstStyle/>
                     <a:p>
                       <a:pPr algn="ctr" latinLnBrk="1"/>
+                      <a:r>
+                        <a:rPr lang="en-US" altLang="ko-KR" sz="2800" dirty="0"/>
+                        <a:t>2</a:t>
+                      </a:r>
                       <a:endParaRPr lang="ko-KR" altLang="en-US" sz="2800" dirty="0"/>
                     </a:p>
                   </a:txBody>
@@ -4043,6 +4072,10 @@
                     <a:lstStyle/>
                     <a:p>
                       <a:pPr algn="ctr" latinLnBrk="1"/>
+                      <a:r>
+                        <a:rPr lang="en-US" altLang="ko-KR" sz="2800" dirty="0"/>
+                        <a:t>1</a:t>
+                      </a:r>
                       <a:endParaRPr lang="ko-KR" altLang="en-US" sz="2800" dirty="0"/>
                     </a:p>
                   </a:txBody>
